--- a/Examples/Data/Charts/DisplayPercentageAsLabels_out.pptx
+++ b/Examples/Data/Charts/DisplayPercentageAsLabels_out.pptx
@@ -1,6 +1,6 @@
 
 <file path=ppt/presentation.xml><?xml version="1.0" encoding="utf-8"?>
-<!--Generated by Aspose.Slides for .NET 19.6-->
+<!--Generated by Aspose.Slides for .NET 21.12-->
 <p:presentation xmlns:r="http://schemas.openxmlformats.org/officeDocument/2006/relationships" xmlns:a="http://schemas.openxmlformats.org/drawingml/2006/main" xmlns:p="http://schemas.openxmlformats.org/presentationml/2006/main" saveSubsetFonts="1">
   <p:sldMasterIdLst>
     <p:sldMasterId id="2147483648" r:id="rId1"/>
@@ -112,7 +112,7 @@
 </file>
 
 <file path=ppt/charts/chart1.xml><?xml version="1.0" encoding="utf-8"?>
-<c:chartSpace xmlns:a="http://schemas.openxmlformats.org/drawingml/2006/main" xmlns:r="http://schemas.openxmlformats.org/officeDocument/2006/relationships" xmlns:c="http://schemas.openxmlformats.org/drawingml/2006/chart">
+<c:chartSpace xmlns:a="http://schemas.openxmlformats.org/drawingml/2006/main" xmlns:r="http://schemas.openxmlformats.org/officeDocument/2006/relationships" xmlns:m="http://schemas.openxmlformats.org/officeDocument/2006/math" xmlns:w="http://schemas.openxmlformats.org/wordprocessingml/2006/main" xmlns:wp="http://schemas.openxmlformats.org/drawingml/2006/wordprocessingDrawing" xmlns:a14="http://schemas.microsoft.com/office/drawing/2010/main" xmlns:c="http://schemas.openxmlformats.org/drawingml/2006/chart">
   <c:date1904 val="0"/>
   <c:lang val="ru-RU"/>
   <c:roundedCorners val="0"/>
@@ -159,7 +159,7 @@
                     </a:pPr>
                     <a:r>
                       <a:rPr sz="800"/>
-                      <a:t>49.43 %</a:t>
+                      <a:t>49,43 %</a:t>
                     </a:r>
                   </a:p>
                 </c:rich>
@@ -184,7 +184,7 @@
                     </a:pPr>
                     <a:r>
                       <a:rPr sz="800"/>
-                      <a:t>28.09 %</a:t>
+                      <a:t>28,09 %</a:t>
                     </a:r>
                   </a:p>
                 </c:rich>
@@ -209,7 +209,7 @@
                     </a:pPr>
                     <a:r>
                       <a:rPr sz="800"/>
-                      <a:t>42.17 %</a:t>
+                      <a:t>42,17 %</a:t>
                     </a:r>
                   </a:p>
                 </c:rich>
@@ -234,7 +234,7 @@
                     </a:pPr>
                     <a:r>
                       <a:rPr sz="800"/>
-                      <a:t>36.59 %</a:t>
+                      <a:t>36,59 %</a:t>
                     </a:r>
                   </a:p>
                 </c:rich>
@@ -320,7 +320,7 @@
                     </a:pPr>
                     <a:r>
                       <a:rPr sz="800"/>
-                      <a:t>27.59 %</a:t>
+                      <a:t>27,59 %</a:t>
                     </a:r>
                   </a:p>
                 </c:rich>
@@ -345,7 +345,7 @@
                     </a:pPr>
                     <a:r>
                       <a:rPr sz="800"/>
-                      <a:t>49.44 %</a:t>
+                      <a:t>49,44 %</a:t>
                     </a:r>
                   </a:p>
                 </c:rich>
@@ -370,7 +370,7 @@
                     </a:pPr>
                     <a:r>
                       <a:rPr sz="800"/>
-                      <a:t>21.69 %</a:t>
+                      <a:t>21,69 %</a:t>
                     </a:r>
                   </a:p>
                 </c:rich>
@@ -395,7 +395,7 @@
                     </a:pPr>
                     <a:r>
                       <a:rPr sz="800"/>
-                      <a:t>22.76 %</a:t>
+                      <a:t>22,76 %</a:t>
                     </a:r>
                   </a:p>
                 </c:rich>
@@ -481,7 +481,7 @@
                     </a:pPr>
                     <a:r>
                       <a:rPr sz="800"/>
-                      <a:t>22.99 %</a:t>
+                      <a:t>22,99 %</a:t>
                     </a:r>
                   </a:p>
                 </c:rich>
@@ -506,7 +506,7 @@
                     </a:pPr>
                     <a:r>
                       <a:rPr sz="800"/>
-                      <a:t>22.47 %</a:t>
+                      <a:t>22,47 %</a:t>
                     </a:r>
                   </a:p>
                 </c:rich>
@@ -531,7 +531,7 @@
                     </a:pPr>
                     <a:r>
                       <a:rPr sz="800"/>
-                      <a:t>36.14 %</a:t>
+                      <a:t>36,14 %</a:t>
                     </a:r>
                   </a:p>
                 </c:rich>
@@ -556,7 +556,7 @@
                     </a:pPr>
                     <a:r>
                       <a:rPr sz="800"/>
-                      <a:t>40.65 %</a:t>
+                      <a:t>40,65 %</a:t>
                     </a:r>
                   </a:p>
                 </c:rich>
@@ -683,11 +683,11 @@
 </file>
 
 <file path=ppt/slideLayouts/slideLayout1.xml><?xml version="1.0" encoding="utf-8"?>
-<p:sldLayout xmlns:a="http://schemas.openxmlformats.org/drawingml/2006/main" xmlns:r="http://schemas.openxmlformats.org/officeDocument/2006/relationships" xmlns:p14="http://schemas.microsoft.com/office/powerpoint/2010/main" xmlns:a14="http://schemas.microsoft.com/office/drawing/2010/main" xmlns:p15="http://schemas.microsoft.com/office/powerpoint/2012/main" xmlns:p159="http://schemas.microsoft.com/office/powerpoint/2015/09/main" xmlns:p="http://schemas.openxmlformats.org/presentationml/2006/main" type="title" preserve="1">
+<p:sldLayout xmlns:a="http://schemas.openxmlformats.org/drawingml/2006/main" xmlns:r="http://schemas.openxmlformats.org/officeDocument/2006/relationships" xmlns:m="http://schemas.openxmlformats.org/officeDocument/2006/math" xmlns:w="http://schemas.openxmlformats.org/wordprocessingml/2006/main" xmlns:wp="http://schemas.openxmlformats.org/drawingml/2006/wordprocessingDrawing" xmlns:a14="http://schemas.microsoft.com/office/drawing/2010/main" xmlns:mc="http://schemas.openxmlformats.org/markup-compatibility/2006" xmlns:p14="http://schemas.microsoft.com/office/powerpoint/2010/main" xmlns:p15="http://schemas.microsoft.com/office/powerpoint/2012/main" xmlns:p159="http://schemas.microsoft.com/office/powerpoint/2015/09/main" xmlns:p="http://schemas.openxmlformats.org/presentationml/2006/main" type="title" preserve="1">
   <p:cSld name="Title Slide">
     <p:spTree>
       <p:nvGrpSpPr>
-        <p:cNvPr id="1" name=""/>
+        <p:cNvPr id="1" name="" title=""/>
         <p:cNvGrpSpPr/>
         <p:nvPr/>
       </p:nvGrpSpPr>
@@ -699,7 +699,7 @@
       </p:grpSpPr>
       <p:sp>
         <p:nvSpPr>
-          <p:cNvPr id="2" name="Title 1"/>
+          <p:cNvPr id="2" name="Title 1" title=""/>
           <p:cNvSpPr>
             <a:spLocks noGrp="1"/>
           </p:cNvSpPr>
@@ -722,7 +722,7 @@
       </p:sp>
       <p:sp>
         <p:nvSpPr>
-          <p:cNvPr id="3" name="Subtitle 2"/>
+          <p:cNvPr id="3" name="Subtitle 2" title=""/>
           <p:cNvSpPr>
             <a:spLocks noGrp="1"/>
           </p:cNvSpPr>
@@ -836,7 +836,7 @@
       </p:sp>
       <p:sp>
         <p:nvSpPr>
-          <p:cNvPr id="4" name="Date Placeholder 3"/>
+          <p:cNvPr id="4" name="Date Placeholder 3" title=""/>
           <p:cNvSpPr>
             <a:spLocks noGrp="1"/>
           </p:cNvSpPr>
@@ -849,7 +849,7 @@
           <a:bodyPr/>
           <a:lstStyle/>
           <a:p>
-            <a:fld id="{42B35090-FD5C-429A-9EDD-A77B700A9F99}" type="datetimeFigureOut">
+            <a:fld id="{E09C863F-0B04-4821-BEC8-5326B9CEB613}" type="datetimeFigureOut">
               <a:rPr lang="en-US" smtClean="0"/>
               <a:t>11/7/2009</a:t>
             </a:fld>
@@ -859,7 +859,7 @@
       </p:sp>
       <p:sp>
         <p:nvSpPr>
-          <p:cNvPr id="5" name="Footer Placeholder 4"/>
+          <p:cNvPr id="5" name="Footer Placeholder 4" title=""/>
           <p:cNvSpPr>
             <a:spLocks noGrp="1"/>
           </p:cNvSpPr>
@@ -878,7 +878,7 @@
       </p:sp>
       <p:sp>
         <p:nvSpPr>
-          <p:cNvPr id="6" name="Slide Number Placeholder 5"/>
+          <p:cNvPr id="6" name="Slide Number Placeholder 5" title=""/>
           <p:cNvSpPr>
             <a:spLocks noGrp="1"/>
           </p:cNvSpPr>
@@ -910,11 +910,11 @@
 </file>
 
 <file path=ppt/slideLayouts/slideLayout10.xml><?xml version="1.0" encoding="utf-8"?>
-<p:sldLayout xmlns:a="http://schemas.openxmlformats.org/drawingml/2006/main" xmlns:r="http://schemas.openxmlformats.org/officeDocument/2006/relationships" xmlns:p14="http://schemas.microsoft.com/office/powerpoint/2010/main" xmlns:a14="http://schemas.microsoft.com/office/drawing/2010/main" xmlns:p15="http://schemas.microsoft.com/office/powerpoint/2012/main" xmlns:p159="http://schemas.microsoft.com/office/powerpoint/2015/09/main" xmlns:p="http://schemas.openxmlformats.org/presentationml/2006/main" type="vertTx" preserve="1">
+<p:sldLayout xmlns:a="http://schemas.openxmlformats.org/drawingml/2006/main" xmlns:r="http://schemas.openxmlformats.org/officeDocument/2006/relationships" xmlns:m="http://schemas.openxmlformats.org/officeDocument/2006/math" xmlns:w="http://schemas.openxmlformats.org/wordprocessingml/2006/main" xmlns:wp="http://schemas.openxmlformats.org/drawingml/2006/wordprocessingDrawing" xmlns:a14="http://schemas.microsoft.com/office/drawing/2010/main" xmlns:mc="http://schemas.openxmlformats.org/markup-compatibility/2006" xmlns:p14="http://schemas.microsoft.com/office/powerpoint/2010/main" xmlns:p15="http://schemas.microsoft.com/office/powerpoint/2012/main" xmlns:p159="http://schemas.microsoft.com/office/powerpoint/2015/09/main" xmlns:p="http://schemas.openxmlformats.org/presentationml/2006/main" type="vertTx" preserve="1">
   <p:cSld name="Title and Vertical Text">
     <p:spTree>
       <p:nvGrpSpPr>
-        <p:cNvPr id="1" name=""/>
+        <p:cNvPr id="1" name="" title=""/>
         <p:cNvGrpSpPr/>
         <p:nvPr/>
       </p:nvGrpSpPr>
@@ -926,7 +926,7 @@
       </p:grpSpPr>
       <p:sp>
         <p:nvSpPr>
-          <p:cNvPr id="2" name="Title 1"/>
+          <p:cNvPr id="2" name="Title 1" title=""/>
           <p:cNvSpPr>
             <a:spLocks noGrp="1"/>
           </p:cNvSpPr>
@@ -949,7 +949,7 @@
       </p:sp>
       <p:sp>
         <p:nvSpPr>
-          <p:cNvPr id="3" name="Vertical Text Placeholder 2"/>
+          <p:cNvPr id="3" name="Vertical Text Placeholder 2" title=""/>
           <p:cNvSpPr>
             <a:spLocks noGrp="1"/>
           </p:cNvSpPr>
@@ -1000,7 +1000,7 @@
       </p:sp>
       <p:sp>
         <p:nvSpPr>
-          <p:cNvPr id="4" name="Date Placeholder 3"/>
+          <p:cNvPr id="4" name="Date Placeholder 3" title=""/>
           <p:cNvSpPr>
             <a:spLocks noGrp="1"/>
           </p:cNvSpPr>
@@ -1013,7 +1013,7 @@
           <a:bodyPr/>
           <a:lstStyle/>
           <a:p>
-            <a:fld id="{75460947-3D77-4ED3-8566-210D8060D94E}" type="datetimeFigureOut">
+            <a:fld id="{6D0E7CA6-B8D3-4A7A-B208-3157AE60EEB3}" type="datetimeFigureOut">
               <a:rPr lang="en-US" smtClean="0"/>
               <a:t>11/7/2009</a:t>
             </a:fld>
@@ -1023,7 +1023,7 @@
       </p:sp>
       <p:sp>
         <p:nvSpPr>
-          <p:cNvPr id="5" name="Footer Placeholder 4"/>
+          <p:cNvPr id="5" name="Footer Placeholder 4" title=""/>
           <p:cNvSpPr>
             <a:spLocks noGrp="1"/>
           </p:cNvSpPr>
@@ -1042,7 +1042,7 @@
       </p:sp>
       <p:sp>
         <p:nvSpPr>
-          <p:cNvPr id="6" name="Slide Number Placeholder 5"/>
+          <p:cNvPr id="6" name="Slide Number Placeholder 5" title=""/>
           <p:cNvSpPr>
             <a:spLocks noGrp="1"/>
           </p:cNvSpPr>
@@ -1074,11 +1074,11 @@
 </file>
 
 <file path=ppt/slideLayouts/slideLayout11.xml><?xml version="1.0" encoding="utf-8"?>
-<p:sldLayout xmlns:a="http://schemas.openxmlformats.org/drawingml/2006/main" xmlns:r="http://schemas.openxmlformats.org/officeDocument/2006/relationships" xmlns:p14="http://schemas.microsoft.com/office/powerpoint/2010/main" xmlns:a14="http://schemas.microsoft.com/office/drawing/2010/main" xmlns:p15="http://schemas.microsoft.com/office/powerpoint/2012/main" xmlns:p159="http://schemas.microsoft.com/office/powerpoint/2015/09/main" xmlns:p="http://schemas.openxmlformats.org/presentationml/2006/main" type="vertTitleAndTx" preserve="1">
+<p:sldLayout xmlns:a="http://schemas.openxmlformats.org/drawingml/2006/main" xmlns:r="http://schemas.openxmlformats.org/officeDocument/2006/relationships" xmlns:m="http://schemas.openxmlformats.org/officeDocument/2006/math" xmlns:w="http://schemas.openxmlformats.org/wordprocessingml/2006/main" xmlns:wp="http://schemas.openxmlformats.org/drawingml/2006/wordprocessingDrawing" xmlns:a14="http://schemas.microsoft.com/office/drawing/2010/main" xmlns:mc="http://schemas.openxmlformats.org/markup-compatibility/2006" xmlns:p14="http://schemas.microsoft.com/office/powerpoint/2010/main" xmlns:p15="http://schemas.microsoft.com/office/powerpoint/2012/main" xmlns:p159="http://schemas.microsoft.com/office/powerpoint/2015/09/main" xmlns:p="http://schemas.openxmlformats.org/presentationml/2006/main" type="vertTitleAndTx" preserve="1">
   <p:cSld name="Vertical Title and Text">
     <p:spTree>
       <p:nvGrpSpPr>
-        <p:cNvPr id="1" name=""/>
+        <p:cNvPr id="1" name="" title=""/>
         <p:cNvGrpSpPr/>
         <p:nvPr/>
       </p:nvGrpSpPr>
@@ -1090,7 +1090,7 @@
       </p:grpSpPr>
       <p:sp>
         <p:nvSpPr>
-          <p:cNvPr id="2" name="Vertical Title 1"/>
+          <p:cNvPr id="2" name="Vertical Title 1" title=""/>
           <p:cNvSpPr>
             <a:spLocks noGrp="1"/>
           </p:cNvSpPr>
@@ -1113,7 +1113,7 @@
       </p:sp>
       <p:sp>
         <p:nvSpPr>
-          <p:cNvPr id="3" name="Vertical Text Placeholder 2"/>
+          <p:cNvPr id="3" name="Vertical Text Placeholder 2" title=""/>
           <p:cNvSpPr>
             <a:spLocks noGrp="1"/>
           </p:cNvSpPr>
@@ -1164,7 +1164,7 @@
       </p:sp>
       <p:sp>
         <p:nvSpPr>
-          <p:cNvPr id="4" name="Date Placeholder 3"/>
+          <p:cNvPr id="4" name="Date Placeholder 3" title=""/>
           <p:cNvSpPr>
             <a:spLocks noGrp="1"/>
           </p:cNvSpPr>
@@ -1177,7 +1177,7 @@
           <a:bodyPr/>
           <a:lstStyle/>
           <a:p>
-            <a:fld id="{58E96DEE-7071-4826-A5A8-68352EA966FA}" type="datetimeFigureOut">
+            <a:fld id="{9242C1D5-1282-41A4-9B0C-88200CCB413C}" type="datetimeFigureOut">
               <a:rPr lang="en-US" smtClean="0"/>
               <a:t>11/7/2009</a:t>
             </a:fld>
@@ -1187,7 +1187,7 @@
       </p:sp>
       <p:sp>
         <p:nvSpPr>
-          <p:cNvPr id="5" name="Footer Placeholder 4"/>
+          <p:cNvPr id="5" name="Footer Placeholder 4" title=""/>
           <p:cNvSpPr>
             <a:spLocks noGrp="1"/>
           </p:cNvSpPr>
@@ -1206,7 +1206,7 @@
       </p:sp>
       <p:sp>
         <p:nvSpPr>
-          <p:cNvPr id="6" name="Slide Number Placeholder 5"/>
+          <p:cNvPr id="6" name="Slide Number Placeholder 5" title=""/>
           <p:cNvSpPr>
             <a:spLocks noGrp="1"/>
           </p:cNvSpPr>
@@ -1238,11 +1238,11 @@
 </file>
 
 <file path=ppt/slideLayouts/slideLayout2.xml><?xml version="1.0" encoding="utf-8"?>
-<p:sldLayout xmlns:a="http://schemas.openxmlformats.org/drawingml/2006/main" xmlns:r="http://schemas.openxmlformats.org/officeDocument/2006/relationships" xmlns:p14="http://schemas.microsoft.com/office/powerpoint/2010/main" xmlns:a14="http://schemas.microsoft.com/office/drawing/2010/main" xmlns:p15="http://schemas.microsoft.com/office/powerpoint/2012/main" xmlns:p159="http://schemas.microsoft.com/office/powerpoint/2015/09/main" xmlns:p="http://schemas.openxmlformats.org/presentationml/2006/main" type="obj" preserve="1">
+<p:sldLayout xmlns:a="http://schemas.openxmlformats.org/drawingml/2006/main" xmlns:r="http://schemas.openxmlformats.org/officeDocument/2006/relationships" xmlns:m="http://schemas.openxmlformats.org/officeDocument/2006/math" xmlns:w="http://schemas.openxmlformats.org/wordprocessingml/2006/main" xmlns:wp="http://schemas.openxmlformats.org/drawingml/2006/wordprocessingDrawing" xmlns:a14="http://schemas.microsoft.com/office/drawing/2010/main" xmlns:mc="http://schemas.openxmlformats.org/markup-compatibility/2006" xmlns:p14="http://schemas.microsoft.com/office/powerpoint/2010/main" xmlns:p15="http://schemas.microsoft.com/office/powerpoint/2012/main" xmlns:p159="http://schemas.microsoft.com/office/powerpoint/2015/09/main" xmlns:p="http://schemas.openxmlformats.org/presentationml/2006/main" type="obj" preserve="1">
   <p:cSld name="Title and Content">
     <p:spTree>
       <p:nvGrpSpPr>
-        <p:cNvPr id="1" name=""/>
+        <p:cNvPr id="1" name="" title=""/>
         <p:cNvGrpSpPr/>
         <p:nvPr/>
       </p:nvGrpSpPr>
@@ -1254,7 +1254,7 @@
       </p:grpSpPr>
       <p:sp>
         <p:nvSpPr>
-          <p:cNvPr id="2" name="Title 1"/>
+          <p:cNvPr id="2" name="Title 1" title=""/>
           <p:cNvSpPr>
             <a:spLocks noGrp="1"/>
           </p:cNvSpPr>
@@ -1277,7 +1277,7 @@
       </p:sp>
       <p:sp>
         <p:nvSpPr>
-          <p:cNvPr id="3" name="Content Placeholder 2"/>
+          <p:cNvPr id="3" name="Content Placeholder 2" title=""/>
           <p:cNvSpPr>
             <a:spLocks noGrp="1"/>
           </p:cNvSpPr>
@@ -1328,7 +1328,7 @@
       </p:sp>
       <p:sp>
         <p:nvSpPr>
-          <p:cNvPr id="4" name="Date Placeholder 3"/>
+          <p:cNvPr id="4" name="Date Placeholder 3" title=""/>
           <p:cNvSpPr>
             <a:spLocks noGrp="1"/>
           </p:cNvSpPr>
@@ -1341,7 +1341,7 @@
           <a:bodyPr/>
           <a:lstStyle/>
           <a:p>
-            <a:fld id="{3C5FA4FC-D855-4048-AECB-6AFA9D60A861}" type="datetimeFigureOut">
+            <a:fld id="{98C16D12-D023-442A-B073-72FECEA3B4C2}" type="datetimeFigureOut">
               <a:rPr lang="en-US" smtClean="0"/>
               <a:t>11/7/2009</a:t>
             </a:fld>
@@ -1351,7 +1351,7 @@
       </p:sp>
       <p:sp>
         <p:nvSpPr>
-          <p:cNvPr id="5" name="Footer Placeholder 4"/>
+          <p:cNvPr id="5" name="Footer Placeholder 4" title=""/>
           <p:cNvSpPr>
             <a:spLocks noGrp="1"/>
           </p:cNvSpPr>
@@ -1370,7 +1370,7 @@
       </p:sp>
       <p:sp>
         <p:nvSpPr>
-          <p:cNvPr id="6" name="Slide Number Placeholder 5"/>
+          <p:cNvPr id="6" name="Slide Number Placeholder 5" title=""/>
           <p:cNvSpPr>
             <a:spLocks noGrp="1"/>
           </p:cNvSpPr>
@@ -1402,11 +1402,11 @@
 </file>
 
 <file path=ppt/slideLayouts/slideLayout3.xml><?xml version="1.0" encoding="utf-8"?>
-<p:sldLayout xmlns:a="http://schemas.openxmlformats.org/drawingml/2006/main" xmlns:r="http://schemas.openxmlformats.org/officeDocument/2006/relationships" xmlns:p14="http://schemas.microsoft.com/office/powerpoint/2010/main" xmlns:a14="http://schemas.microsoft.com/office/drawing/2010/main" xmlns:p15="http://schemas.microsoft.com/office/powerpoint/2012/main" xmlns:p159="http://schemas.microsoft.com/office/powerpoint/2015/09/main" xmlns:p="http://schemas.openxmlformats.org/presentationml/2006/main" type="secHead" preserve="1">
+<p:sldLayout xmlns:a="http://schemas.openxmlformats.org/drawingml/2006/main" xmlns:r="http://schemas.openxmlformats.org/officeDocument/2006/relationships" xmlns:m="http://schemas.openxmlformats.org/officeDocument/2006/math" xmlns:w="http://schemas.openxmlformats.org/wordprocessingml/2006/main" xmlns:wp="http://schemas.openxmlformats.org/drawingml/2006/wordprocessingDrawing" xmlns:a14="http://schemas.microsoft.com/office/drawing/2010/main" xmlns:mc="http://schemas.openxmlformats.org/markup-compatibility/2006" xmlns:p14="http://schemas.microsoft.com/office/powerpoint/2010/main" xmlns:p15="http://schemas.microsoft.com/office/powerpoint/2012/main" xmlns:p159="http://schemas.microsoft.com/office/powerpoint/2015/09/main" xmlns:p="http://schemas.openxmlformats.org/presentationml/2006/main" type="secHead" preserve="1">
   <p:cSld name="Section Header">
     <p:spTree>
       <p:nvGrpSpPr>
-        <p:cNvPr id="1" name=""/>
+        <p:cNvPr id="1" name="" title=""/>
         <p:cNvGrpSpPr/>
         <p:nvPr/>
       </p:nvGrpSpPr>
@@ -1418,7 +1418,7 @@
       </p:grpSpPr>
       <p:sp>
         <p:nvSpPr>
-          <p:cNvPr id="2" name="Title 1"/>
+          <p:cNvPr id="2" name="Title 1" title=""/>
           <p:cNvSpPr>
             <a:spLocks noGrp="1"/>
           </p:cNvSpPr>
@@ -1445,7 +1445,7 @@
       </p:sp>
       <p:sp>
         <p:nvSpPr>
-          <p:cNvPr id="3" name="Text Placeholder 2"/>
+          <p:cNvPr id="3" name="Text Placeholder 2" title=""/>
           <p:cNvSpPr>
             <a:spLocks noGrp="1"/>
           </p:cNvSpPr>
@@ -1558,7 +1558,7 @@
       </p:sp>
       <p:sp>
         <p:nvSpPr>
-          <p:cNvPr id="4" name="Date Placeholder 3"/>
+          <p:cNvPr id="4" name="Date Placeholder 3" title=""/>
           <p:cNvSpPr>
             <a:spLocks noGrp="1"/>
           </p:cNvSpPr>
@@ -1571,7 +1571,7 @@
           <a:bodyPr/>
           <a:lstStyle/>
           <a:p>
-            <a:fld id="{F03D6E12-2037-44BC-A87C-53FB45885134}" type="datetimeFigureOut">
+            <a:fld id="{7F5AD7DB-A10B-466E-A989-C79A39C9397D}" type="datetimeFigureOut">
               <a:rPr lang="en-US" smtClean="0"/>
               <a:t>11/7/2009</a:t>
             </a:fld>
@@ -1581,7 +1581,7 @@
       </p:sp>
       <p:sp>
         <p:nvSpPr>
-          <p:cNvPr id="5" name="Footer Placeholder 4"/>
+          <p:cNvPr id="5" name="Footer Placeholder 4" title=""/>
           <p:cNvSpPr>
             <a:spLocks noGrp="1"/>
           </p:cNvSpPr>
@@ -1600,7 +1600,7 @@
       </p:sp>
       <p:sp>
         <p:nvSpPr>
-          <p:cNvPr id="6" name="Slide Number Placeholder 5"/>
+          <p:cNvPr id="6" name="Slide Number Placeholder 5" title=""/>
           <p:cNvSpPr>
             <a:spLocks noGrp="1"/>
           </p:cNvSpPr>
@@ -1632,11 +1632,11 @@
 </file>
 
 <file path=ppt/slideLayouts/slideLayout4.xml><?xml version="1.0" encoding="utf-8"?>
-<p:sldLayout xmlns:a="http://schemas.openxmlformats.org/drawingml/2006/main" xmlns:r="http://schemas.openxmlformats.org/officeDocument/2006/relationships" xmlns:p14="http://schemas.microsoft.com/office/powerpoint/2010/main" xmlns:a14="http://schemas.microsoft.com/office/drawing/2010/main" xmlns:p15="http://schemas.microsoft.com/office/powerpoint/2012/main" xmlns:p159="http://schemas.microsoft.com/office/powerpoint/2015/09/main" xmlns:p="http://schemas.openxmlformats.org/presentationml/2006/main" type="twoObj" preserve="1">
+<p:sldLayout xmlns:a="http://schemas.openxmlformats.org/drawingml/2006/main" xmlns:r="http://schemas.openxmlformats.org/officeDocument/2006/relationships" xmlns:m="http://schemas.openxmlformats.org/officeDocument/2006/math" xmlns:w="http://schemas.openxmlformats.org/wordprocessingml/2006/main" xmlns:wp="http://schemas.openxmlformats.org/drawingml/2006/wordprocessingDrawing" xmlns:a14="http://schemas.microsoft.com/office/drawing/2010/main" xmlns:mc="http://schemas.openxmlformats.org/markup-compatibility/2006" xmlns:p14="http://schemas.microsoft.com/office/powerpoint/2010/main" xmlns:p15="http://schemas.microsoft.com/office/powerpoint/2012/main" xmlns:p159="http://schemas.microsoft.com/office/powerpoint/2015/09/main" xmlns:p="http://schemas.openxmlformats.org/presentationml/2006/main" type="twoObj" preserve="1">
   <p:cSld name="Two Content">
     <p:spTree>
       <p:nvGrpSpPr>
-        <p:cNvPr id="1" name=""/>
+        <p:cNvPr id="1" name="" title=""/>
         <p:cNvGrpSpPr/>
         <p:nvPr/>
       </p:nvGrpSpPr>
@@ -1648,7 +1648,7 @@
       </p:grpSpPr>
       <p:sp>
         <p:nvSpPr>
-          <p:cNvPr id="2" name="Title 1"/>
+          <p:cNvPr id="2" name="Title 1" title=""/>
           <p:cNvSpPr>
             <a:spLocks noGrp="1"/>
           </p:cNvSpPr>
@@ -1671,7 +1671,7 @@
       </p:sp>
       <p:sp>
         <p:nvSpPr>
-          <p:cNvPr id="3" name="Content Placeholder 2"/>
+          <p:cNvPr id="3" name="Content Placeholder 2" title=""/>
           <p:cNvSpPr>
             <a:spLocks noGrp="1"/>
           </p:cNvSpPr>
@@ -1750,7 +1750,7 @@
       </p:sp>
       <p:sp>
         <p:nvSpPr>
-          <p:cNvPr id="4" name="Content Placeholder 3"/>
+          <p:cNvPr id="4" name="Content Placeholder 3" title=""/>
           <p:cNvSpPr>
             <a:spLocks noGrp="1"/>
           </p:cNvSpPr>
@@ -1829,7 +1829,7 @@
       </p:sp>
       <p:sp>
         <p:nvSpPr>
-          <p:cNvPr id="5" name="Date Placeholder 4"/>
+          <p:cNvPr id="5" name="Date Placeholder 4" title=""/>
           <p:cNvSpPr>
             <a:spLocks noGrp="1"/>
           </p:cNvSpPr>
@@ -1842,7 +1842,7 @@
           <a:bodyPr/>
           <a:lstStyle/>
           <a:p>
-            <a:fld id="{FD4E1026-858F-455B-9311-631B958BB808}" type="datetimeFigureOut">
+            <a:fld id="{3E0D1C86-F406-4D0F-A314-96B6418AA714}" type="datetimeFigureOut">
               <a:rPr lang="en-US" smtClean="0"/>
               <a:t>11/7/2009</a:t>
             </a:fld>
@@ -1852,7 +1852,7 @@
       </p:sp>
       <p:sp>
         <p:nvSpPr>
-          <p:cNvPr id="6" name="Footer Placeholder 5"/>
+          <p:cNvPr id="6" name="Footer Placeholder 5" title=""/>
           <p:cNvSpPr>
             <a:spLocks noGrp="1"/>
           </p:cNvSpPr>
@@ -1871,7 +1871,7 @@
       </p:sp>
       <p:sp>
         <p:nvSpPr>
-          <p:cNvPr id="7" name="Slide Number Placeholder 6"/>
+          <p:cNvPr id="7" name="Slide Number Placeholder 6" title=""/>
           <p:cNvSpPr>
             <a:spLocks noGrp="1"/>
           </p:cNvSpPr>
@@ -1903,11 +1903,11 @@
 </file>
 
 <file path=ppt/slideLayouts/slideLayout5.xml><?xml version="1.0" encoding="utf-8"?>
-<p:sldLayout xmlns:a="http://schemas.openxmlformats.org/drawingml/2006/main" xmlns:r="http://schemas.openxmlformats.org/officeDocument/2006/relationships" xmlns:p14="http://schemas.microsoft.com/office/powerpoint/2010/main" xmlns:a14="http://schemas.microsoft.com/office/drawing/2010/main" xmlns:p15="http://schemas.microsoft.com/office/powerpoint/2012/main" xmlns:p159="http://schemas.microsoft.com/office/powerpoint/2015/09/main" xmlns:p="http://schemas.openxmlformats.org/presentationml/2006/main" type="twoTxTwoObj" preserve="1">
+<p:sldLayout xmlns:a="http://schemas.openxmlformats.org/drawingml/2006/main" xmlns:r="http://schemas.openxmlformats.org/officeDocument/2006/relationships" xmlns:m="http://schemas.openxmlformats.org/officeDocument/2006/math" xmlns:w="http://schemas.openxmlformats.org/wordprocessingml/2006/main" xmlns:wp="http://schemas.openxmlformats.org/drawingml/2006/wordprocessingDrawing" xmlns:a14="http://schemas.microsoft.com/office/drawing/2010/main" xmlns:mc="http://schemas.openxmlformats.org/markup-compatibility/2006" xmlns:p14="http://schemas.microsoft.com/office/powerpoint/2010/main" xmlns:p15="http://schemas.microsoft.com/office/powerpoint/2012/main" xmlns:p159="http://schemas.microsoft.com/office/powerpoint/2015/09/main" xmlns:p="http://schemas.openxmlformats.org/presentationml/2006/main" type="twoTxTwoObj" preserve="1">
   <p:cSld name="Comparison">
     <p:spTree>
       <p:nvGrpSpPr>
-        <p:cNvPr id="1" name=""/>
+        <p:cNvPr id="1" name="" title=""/>
         <p:cNvGrpSpPr/>
         <p:nvPr/>
       </p:nvGrpSpPr>
@@ -1919,7 +1919,7 @@
       </p:grpSpPr>
       <p:sp>
         <p:nvSpPr>
-          <p:cNvPr id="2" name="Title 1"/>
+          <p:cNvPr id="2" name="Title 1" title=""/>
           <p:cNvSpPr>
             <a:spLocks noGrp="1"/>
           </p:cNvSpPr>
@@ -1942,7 +1942,7 @@
       </p:sp>
       <p:sp>
         <p:nvSpPr>
-          <p:cNvPr id="3" name="Text Placeholder 2"/>
+          <p:cNvPr id="3" name="Text Placeholder 2" title=""/>
           <p:cNvSpPr>
             <a:spLocks noGrp="1"/>
           </p:cNvSpPr>
@@ -2001,7 +2001,7 @@
       </p:sp>
       <p:sp>
         <p:nvSpPr>
-          <p:cNvPr id="4" name="Content Placeholder 3"/>
+          <p:cNvPr id="4" name="Content Placeholder 3" title=""/>
           <p:cNvSpPr>
             <a:spLocks noGrp="1"/>
           </p:cNvSpPr>
@@ -2080,7 +2080,7 @@
       </p:sp>
       <p:sp>
         <p:nvSpPr>
-          <p:cNvPr id="5" name="Text Placeholder 4"/>
+          <p:cNvPr id="5" name="Text Placeholder 4" title=""/>
           <p:cNvSpPr>
             <a:spLocks noGrp="1"/>
           </p:cNvSpPr>
@@ -2139,7 +2139,7 @@
       </p:sp>
       <p:sp>
         <p:nvSpPr>
-          <p:cNvPr id="6" name="Content Placeholder 5"/>
+          <p:cNvPr id="6" name="Content Placeholder 5" title=""/>
           <p:cNvSpPr>
             <a:spLocks noGrp="1"/>
           </p:cNvSpPr>
@@ -2218,7 +2218,7 @@
       </p:sp>
       <p:sp>
         <p:nvSpPr>
-          <p:cNvPr id="7" name="Date Placeholder 6"/>
+          <p:cNvPr id="7" name="Date Placeholder 6" title=""/>
           <p:cNvSpPr>
             <a:spLocks noGrp="1"/>
           </p:cNvSpPr>
@@ -2231,7 +2231,7 @@
           <a:bodyPr/>
           <a:lstStyle/>
           <a:p>
-            <a:fld id="{5440FC6A-AAF8-47B6-9382-ECA7ED14C183}" type="datetimeFigureOut">
+            <a:fld id="{6C4D5AC8-0C9B-4556-BF63-6D236B1EB549}" type="datetimeFigureOut">
               <a:rPr lang="en-US" smtClean="0"/>
               <a:t>11/7/2009</a:t>
             </a:fld>
@@ -2241,7 +2241,7 @@
       </p:sp>
       <p:sp>
         <p:nvSpPr>
-          <p:cNvPr id="8" name="Footer Placeholder 7"/>
+          <p:cNvPr id="8" name="Footer Placeholder 7" title=""/>
           <p:cNvSpPr>
             <a:spLocks noGrp="1"/>
           </p:cNvSpPr>
@@ -2260,7 +2260,7 @@
       </p:sp>
       <p:sp>
         <p:nvSpPr>
-          <p:cNvPr id="9" name="Slide Number Placeholder 8"/>
+          <p:cNvPr id="9" name="Slide Number Placeholder 8" title=""/>
           <p:cNvSpPr>
             <a:spLocks noGrp="1"/>
           </p:cNvSpPr>
@@ -2292,11 +2292,11 @@
 </file>
 
 <file path=ppt/slideLayouts/slideLayout6.xml><?xml version="1.0" encoding="utf-8"?>
-<p:sldLayout xmlns:a="http://schemas.openxmlformats.org/drawingml/2006/main" xmlns:r="http://schemas.openxmlformats.org/officeDocument/2006/relationships" xmlns:p14="http://schemas.microsoft.com/office/powerpoint/2010/main" xmlns:a14="http://schemas.microsoft.com/office/drawing/2010/main" xmlns:p15="http://schemas.microsoft.com/office/powerpoint/2012/main" xmlns:p159="http://schemas.microsoft.com/office/powerpoint/2015/09/main" xmlns:p="http://schemas.openxmlformats.org/presentationml/2006/main" type="titleOnly" preserve="1">
+<p:sldLayout xmlns:a="http://schemas.openxmlformats.org/drawingml/2006/main" xmlns:r="http://schemas.openxmlformats.org/officeDocument/2006/relationships" xmlns:m="http://schemas.openxmlformats.org/officeDocument/2006/math" xmlns:w="http://schemas.openxmlformats.org/wordprocessingml/2006/main" xmlns:wp="http://schemas.openxmlformats.org/drawingml/2006/wordprocessingDrawing" xmlns:a14="http://schemas.microsoft.com/office/drawing/2010/main" xmlns:mc="http://schemas.openxmlformats.org/markup-compatibility/2006" xmlns:p14="http://schemas.microsoft.com/office/powerpoint/2010/main" xmlns:p15="http://schemas.microsoft.com/office/powerpoint/2012/main" xmlns:p159="http://schemas.microsoft.com/office/powerpoint/2015/09/main" xmlns:p="http://schemas.openxmlformats.org/presentationml/2006/main" type="titleOnly" preserve="1">
   <p:cSld name="Title Only">
     <p:spTree>
       <p:nvGrpSpPr>
-        <p:cNvPr id="1" name=""/>
+        <p:cNvPr id="1" name="" title=""/>
         <p:cNvGrpSpPr/>
         <p:nvPr/>
       </p:nvGrpSpPr>
@@ -2308,7 +2308,7 @@
       </p:grpSpPr>
       <p:sp>
         <p:nvSpPr>
-          <p:cNvPr id="2" name="Title 1"/>
+          <p:cNvPr id="2" name="Title 1" title=""/>
           <p:cNvSpPr>
             <a:spLocks noGrp="1"/>
           </p:cNvSpPr>
@@ -2331,7 +2331,7 @@
       </p:sp>
       <p:sp>
         <p:nvSpPr>
-          <p:cNvPr id="3" name="Date Placeholder 2"/>
+          <p:cNvPr id="3" name="Date Placeholder 2" title=""/>
           <p:cNvSpPr>
             <a:spLocks noGrp="1"/>
           </p:cNvSpPr>
@@ -2344,7 +2344,7 @@
           <a:bodyPr/>
           <a:lstStyle/>
           <a:p>
-            <a:fld id="{D2980524-07BF-4DAB-8BB9-2BB447382630}" type="datetimeFigureOut">
+            <a:fld id="{B15150AD-F698-4A64-8A51-3F47E6B31F6C}" type="datetimeFigureOut">
               <a:rPr lang="en-US" smtClean="0"/>
               <a:t>11/7/2009</a:t>
             </a:fld>
@@ -2354,7 +2354,7 @@
       </p:sp>
       <p:sp>
         <p:nvSpPr>
-          <p:cNvPr id="4" name="Footer Placeholder 3"/>
+          <p:cNvPr id="4" name="Footer Placeholder 3" title=""/>
           <p:cNvSpPr>
             <a:spLocks noGrp="1"/>
           </p:cNvSpPr>
@@ -2373,7 +2373,7 @@
       </p:sp>
       <p:sp>
         <p:nvSpPr>
-          <p:cNvPr id="5" name="Slide Number Placeholder 4"/>
+          <p:cNvPr id="5" name="Slide Number Placeholder 4" title=""/>
           <p:cNvSpPr>
             <a:spLocks noGrp="1"/>
           </p:cNvSpPr>
@@ -2405,11 +2405,11 @@
 </file>
 
 <file path=ppt/slideLayouts/slideLayout7.xml><?xml version="1.0" encoding="utf-8"?>
-<p:sldLayout xmlns:a="http://schemas.openxmlformats.org/drawingml/2006/main" xmlns:r="http://schemas.openxmlformats.org/officeDocument/2006/relationships" xmlns:p14="http://schemas.microsoft.com/office/powerpoint/2010/main" xmlns:a14="http://schemas.microsoft.com/office/drawing/2010/main" xmlns:p15="http://schemas.microsoft.com/office/powerpoint/2012/main" xmlns:p159="http://schemas.microsoft.com/office/powerpoint/2015/09/main" xmlns:p="http://schemas.openxmlformats.org/presentationml/2006/main" type="blank" preserve="1">
+<p:sldLayout xmlns:a="http://schemas.openxmlformats.org/drawingml/2006/main" xmlns:r="http://schemas.openxmlformats.org/officeDocument/2006/relationships" xmlns:m="http://schemas.openxmlformats.org/officeDocument/2006/math" xmlns:w="http://schemas.openxmlformats.org/wordprocessingml/2006/main" xmlns:wp="http://schemas.openxmlformats.org/drawingml/2006/wordprocessingDrawing" xmlns:a14="http://schemas.microsoft.com/office/drawing/2010/main" xmlns:mc="http://schemas.openxmlformats.org/markup-compatibility/2006" xmlns:p14="http://schemas.microsoft.com/office/powerpoint/2010/main" xmlns:p15="http://schemas.microsoft.com/office/powerpoint/2012/main" xmlns:p159="http://schemas.microsoft.com/office/powerpoint/2015/09/main" xmlns:p="http://schemas.openxmlformats.org/presentationml/2006/main" type="blank" preserve="1">
   <p:cSld name="Blank">
     <p:spTree>
       <p:nvGrpSpPr>
-        <p:cNvPr id="1" name=""/>
+        <p:cNvPr id="1" name="" title=""/>
         <p:cNvGrpSpPr/>
         <p:nvPr/>
       </p:nvGrpSpPr>
@@ -2421,7 +2421,7 @@
       </p:grpSpPr>
       <p:sp>
         <p:nvSpPr>
-          <p:cNvPr id="2" name="Date Placeholder 1"/>
+          <p:cNvPr id="2" name="Date Placeholder 1" title=""/>
           <p:cNvSpPr>
             <a:spLocks noGrp="1"/>
           </p:cNvSpPr>
@@ -2434,7 +2434,7 @@
           <a:bodyPr/>
           <a:lstStyle/>
           <a:p>
-            <a:fld id="{153C2393-7D6D-4709-B23B-1FBF79816A6A}" type="datetimeFigureOut">
+            <a:fld id="{48DF3ED8-25F5-4130-B30C-98AAEBB34DDA}" type="datetimeFigureOut">
               <a:rPr lang="en-US" smtClean="0"/>
               <a:t>11/7/2009</a:t>
             </a:fld>
@@ -2444,7 +2444,7 @@
       </p:sp>
       <p:sp>
         <p:nvSpPr>
-          <p:cNvPr id="3" name="Footer Placeholder 2"/>
+          <p:cNvPr id="3" name="Footer Placeholder 2" title=""/>
           <p:cNvSpPr>
             <a:spLocks noGrp="1"/>
           </p:cNvSpPr>
@@ -2463,7 +2463,7 @@
       </p:sp>
       <p:sp>
         <p:nvSpPr>
-          <p:cNvPr id="4" name="Slide Number Placeholder 3"/>
+          <p:cNvPr id="4" name="Slide Number Placeholder 3" title=""/>
           <p:cNvSpPr>
             <a:spLocks noGrp="1"/>
           </p:cNvSpPr>
@@ -2495,11 +2495,11 @@
 </file>
 
 <file path=ppt/slideLayouts/slideLayout8.xml><?xml version="1.0" encoding="utf-8"?>
-<p:sldLayout xmlns:a="http://schemas.openxmlformats.org/drawingml/2006/main" xmlns:r="http://schemas.openxmlformats.org/officeDocument/2006/relationships" xmlns:p14="http://schemas.microsoft.com/office/powerpoint/2010/main" xmlns:a14="http://schemas.microsoft.com/office/drawing/2010/main" xmlns:p15="http://schemas.microsoft.com/office/powerpoint/2012/main" xmlns:p159="http://schemas.microsoft.com/office/powerpoint/2015/09/main" xmlns:p="http://schemas.openxmlformats.org/presentationml/2006/main" type="objTx" preserve="1">
+<p:sldLayout xmlns:a="http://schemas.openxmlformats.org/drawingml/2006/main" xmlns:r="http://schemas.openxmlformats.org/officeDocument/2006/relationships" xmlns:m="http://schemas.openxmlformats.org/officeDocument/2006/math" xmlns:w="http://schemas.openxmlformats.org/wordprocessingml/2006/main" xmlns:wp="http://schemas.openxmlformats.org/drawingml/2006/wordprocessingDrawing" xmlns:a14="http://schemas.microsoft.com/office/drawing/2010/main" xmlns:mc="http://schemas.openxmlformats.org/markup-compatibility/2006" xmlns:p14="http://schemas.microsoft.com/office/powerpoint/2010/main" xmlns:p15="http://schemas.microsoft.com/office/powerpoint/2012/main" xmlns:p159="http://schemas.microsoft.com/office/powerpoint/2015/09/main" xmlns:p="http://schemas.openxmlformats.org/presentationml/2006/main" type="objTx" preserve="1">
   <p:cSld name="Content with Caption">
     <p:spTree>
       <p:nvGrpSpPr>
-        <p:cNvPr id="1" name=""/>
+        <p:cNvPr id="1" name="" title=""/>
         <p:cNvGrpSpPr/>
         <p:nvPr/>
       </p:nvGrpSpPr>
@@ -2511,7 +2511,7 @@
       </p:grpSpPr>
       <p:sp>
         <p:nvSpPr>
-          <p:cNvPr id="2" name="Title 1"/>
+          <p:cNvPr id="2" name="Title 1" title=""/>
           <p:cNvSpPr>
             <a:spLocks noGrp="1"/>
           </p:cNvSpPr>
@@ -2538,7 +2538,7 @@
       </p:sp>
       <p:sp>
         <p:nvSpPr>
-          <p:cNvPr id="3" name="Content Placeholder 2"/>
+          <p:cNvPr id="3" name="Content Placeholder 2" title=""/>
           <p:cNvSpPr>
             <a:spLocks noGrp="1"/>
           </p:cNvSpPr>
@@ -2617,7 +2617,7 @@
       </p:sp>
       <p:sp>
         <p:nvSpPr>
-          <p:cNvPr id="4" name="Text Placeholder 3"/>
+          <p:cNvPr id="4" name="Text Placeholder 3" title=""/>
           <p:cNvSpPr>
             <a:spLocks noGrp="1"/>
           </p:cNvSpPr>
@@ -2676,7 +2676,7 @@
       </p:sp>
       <p:sp>
         <p:nvSpPr>
-          <p:cNvPr id="5" name="Date Placeholder 4"/>
+          <p:cNvPr id="5" name="Date Placeholder 4" title=""/>
           <p:cNvSpPr>
             <a:spLocks noGrp="1"/>
           </p:cNvSpPr>
@@ -2689,7 +2689,7 @@
           <a:bodyPr/>
           <a:lstStyle/>
           <a:p>
-            <a:fld id="{7974DCD9-C07D-4B51-9D3F-879248F1269D}" type="datetimeFigureOut">
+            <a:fld id="{4BA5B2BD-B185-4E95-8238-6260AF61AAA1}" type="datetimeFigureOut">
               <a:rPr lang="en-US" smtClean="0"/>
               <a:t>11/7/2009</a:t>
             </a:fld>
@@ -2699,7 +2699,7 @@
       </p:sp>
       <p:sp>
         <p:nvSpPr>
-          <p:cNvPr id="6" name="Footer Placeholder 5"/>
+          <p:cNvPr id="6" name="Footer Placeholder 5" title=""/>
           <p:cNvSpPr>
             <a:spLocks noGrp="1"/>
           </p:cNvSpPr>
@@ -2718,7 +2718,7 @@
       </p:sp>
       <p:sp>
         <p:nvSpPr>
-          <p:cNvPr id="7" name="Slide Number Placeholder 6"/>
+          <p:cNvPr id="7" name="Slide Number Placeholder 6" title=""/>
           <p:cNvSpPr>
             <a:spLocks noGrp="1"/>
           </p:cNvSpPr>
@@ -2750,11 +2750,11 @@
 </file>
 
 <file path=ppt/slideLayouts/slideLayout9.xml><?xml version="1.0" encoding="utf-8"?>
-<p:sldLayout xmlns:a="http://schemas.openxmlformats.org/drawingml/2006/main" xmlns:r="http://schemas.openxmlformats.org/officeDocument/2006/relationships" xmlns:p14="http://schemas.microsoft.com/office/powerpoint/2010/main" xmlns:a14="http://schemas.microsoft.com/office/drawing/2010/main" xmlns:p15="http://schemas.microsoft.com/office/powerpoint/2012/main" xmlns:p159="http://schemas.microsoft.com/office/powerpoint/2015/09/main" xmlns:p="http://schemas.openxmlformats.org/presentationml/2006/main" type="picTx" preserve="1">
+<p:sldLayout xmlns:a="http://schemas.openxmlformats.org/drawingml/2006/main" xmlns:r="http://schemas.openxmlformats.org/officeDocument/2006/relationships" xmlns:m="http://schemas.openxmlformats.org/officeDocument/2006/math" xmlns:w="http://schemas.openxmlformats.org/wordprocessingml/2006/main" xmlns:wp="http://schemas.openxmlformats.org/drawingml/2006/wordprocessingDrawing" xmlns:a14="http://schemas.microsoft.com/office/drawing/2010/main" xmlns:mc="http://schemas.openxmlformats.org/markup-compatibility/2006" xmlns:p14="http://schemas.microsoft.com/office/powerpoint/2010/main" xmlns:p15="http://schemas.microsoft.com/office/powerpoint/2012/main" xmlns:p159="http://schemas.microsoft.com/office/powerpoint/2015/09/main" xmlns:p="http://schemas.openxmlformats.org/presentationml/2006/main" type="picTx" preserve="1">
   <p:cSld name="Picture with Caption">
     <p:spTree>
       <p:nvGrpSpPr>
-        <p:cNvPr id="1" name=""/>
+        <p:cNvPr id="1" name="" title=""/>
         <p:cNvGrpSpPr/>
         <p:nvPr/>
       </p:nvGrpSpPr>
@@ -2766,7 +2766,7 @@
       </p:grpSpPr>
       <p:sp>
         <p:nvSpPr>
-          <p:cNvPr id="2" name="Title 1"/>
+          <p:cNvPr id="2" name="Title 1" title=""/>
           <p:cNvSpPr>
             <a:spLocks noGrp="1"/>
           </p:cNvSpPr>
@@ -2793,7 +2793,7 @@
       </p:sp>
       <p:sp>
         <p:nvSpPr>
-          <p:cNvPr id="3" name="Picture Placeholder 2"/>
+          <p:cNvPr id="3" name="Picture Placeholder 2" title=""/>
           <p:cNvSpPr>
             <a:spLocks noGrp="1"/>
           </p:cNvSpPr>
@@ -2849,7 +2849,7 @@
       </p:sp>
       <p:sp>
         <p:nvSpPr>
-          <p:cNvPr id="4" name="Text Placeholder 3"/>
+          <p:cNvPr id="4" name="Text Placeholder 3" title=""/>
           <p:cNvSpPr>
             <a:spLocks noGrp="1"/>
           </p:cNvSpPr>
@@ -2908,7 +2908,7 @@
       </p:sp>
       <p:sp>
         <p:nvSpPr>
-          <p:cNvPr id="5" name="Date Placeholder 4"/>
+          <p:cNvPr id="5" name="Date Placeholder 4" title=""/>
           <p:cNvSpPr>
             <a:spLocks noGrp="1"/>
           </p:cNvSpPr>
@@ -2921,7 +2921,7 @@
           <a:bodyPr/>
           <a:lstStyle/>
           <a:p>
-            <a:fld id="{7B07194A-DD38-447C-A140-D17F53BB5924}" type="datetimeFigureOut">
+            <a:fld id="{453692A5-986F-4AD8-8DAD-AAE53A2FAD72}" type="datetimeFigureOut">
               <a:rPr lang="en-US" smtClean="0"/>
               <a:t>11/7/2009</a:t>
             </a:fld>
@@ -2931,7 +2931,7 @@
       </p:sp>
       <p:sp>
         <p:nvSpPr>
-          <p:cNvPr id="6" name="Footer Placeholder 5"/>
+          <p:cNvPr id="6" name="Footer Placeholder 5" title=""/>
           <p:cNvSpPr>
             <a:spLocks noGrp="1"/>
           </p:cNvSpPr>
@@ -2950,7 +2950,7 @@
       </p:sp>
       <p:sp>
         <p:nvSpPr>
-          <p:cNvPr id="7" name="Slide Number Placeholder 6"/>
+          <p:cNvPr id="7" name="Slide Number Placeholder 6" title=""/>
           <p:cNvSpPr>
             <a:spLocks noGrp="1"/>
           </p:cNvSpPr>
@@ -2982,7 +2982,7 @@
 </file>
 
 <file path=ppt/slideMasters/slideMaster1.xml><?xml version="1.0" encoding="utf-8"?>
-<p:sldMaster xmlns:a="http://schemas.openxmlformats.org/drawingml/2006/main" xmlns:r="http://schemas.openxmlformats.org/officeDocument/2006/relationships" xmlns:p14="http://schemas.microsoft.com/office/powerpoint/2010/main" xmlns:a14="http://schemas.microsoft.com/office/drawing/2010/main" xmlns:p15="http://schemas.microsoft.com/office/powerpoint/2012/main" xmlns:p159="http://schemas.microsoft.com/office/powerpoint/2015/09/main" xmlns:p="http://schemas.openxmlformats.org/presentationml/2006/main">
+<p:sldMaster xmlns:a="http://schemas.openxmlformats.org/drawingml/2006/main" xmlns:r="http://schemas.openxmlformats.org/officeDocument/2006/relationships" xmlns:m="http://schemas.openxmlformats.org/officeDocument/2006/math" xmlns:w="http://schemas.openxmlformats.org/wordprocessingml/2006/main" xmlns:wp="http://schemas.openxmlformats.org/drawingml/2006/wordprocessingDrawing" xmlns:a14="http://schemas.microsoft.com/office/drawing/2010/main" xmlns:mc="http://schemas.openxmlformats.org/markup-compatibility/2006" xmlns:p14="http://schemas.microsoft.com/office/powerpoint/2010/main" xmlns:p15="http://schemas.microsoft.com/office/powerpoint/2012/main" xmlns:p159="http://schemas.microsoft.com/office/powerpoint/2015/09/main" xmlns:p="http://schemas.openxmlformats.org/presentationml/2006/main">
   <p:cSld>
     <p:bg>
       <p:bgRef idx="1001">
@@ -2991,7 +2991,7 @@
     </p:bg>
     <p:spTree>
       <p:nvGrpSpPr>
-        <p:cNvPr id="1" name=""/>
+        <p:cNvPr id="1" name="" title=""/>
         <p:cNvGrpSpPr/>
         <p:nvPr/>
       </p:nvGrpSpPr>
@@ -3003,7 +3003,7 @@
       </p:grpSpPr>
       <p:sp>
         <p:nvSpPr>
-          <p:cNvPr id="2" name="Title Placeholder 1"/>
+          <p:cNvPr id="2" name="Title Placeholder 1" title=""/>
           <p:cNvSpPr>
             <a:spLocks noGrp="1"/>
           </p:cNvSpPr>
@@ -3036,7 +3036,7 @@
       </p:sp>
       <p:sp>
         <p:nvSpPr>
-          <p:cNvPr id="3" name="Text Placeholder 2"/>
+          <p:cNvPr id="3" name="Text Placeholder 2" title=""/>
           <p:cNvSpPr>
             <a:spLocks noGrp="1"/>
           </p:cNvSpPr>
@@ -3097,7 +3097,7 @@
       </p:sp>
       <p:sp>
         <p:nvSpPr>
-          <p:cNvPr id="4" name="Date Placeholder 3"/>
+          <p:cNvPr id="4" name="Date Placeholder 3" title=""/>
           <p:cNvSpPr>
             <a:spLocks noGrp="1"/>
           </p:cNvSpPr>
@@ -3138,7 +3138,7 @@
       </p:sp>
       <p:sp>
         <p:nvSpPr>
-          <p:cNvPr id="5" name="Footer Placeholder 4"/>
+          <p:cNvPr id="5" name="Footer Placeholder 4" title=""/>
           <p:cNvSpPr>
             <a:spLocks noGrp="1"/>
           </p:cNvSpPr>
@@ -3175,7 +3175,7 @@
       </p:sp>
       <p:sp>
         <p:nvSpPr>
-          <p:cNvPr id="6" name="Slide Number Placeholder 5"/>
+          <p:cNvPr id="6" name="Slide Number Placeholder 5" title=""/>
           <p:cNvSpPr>
             <a:spLocks noGrp="1"/>
           </p:cNvSpPr>
@@ -3486,11 +3486,11 @@
 </file>
 
 <file path=ppt/slides/slide1.xml><?xml version="1.0" encoding="utf-8"?>
-<p:sld xmlns:a="http://schemas.openxmlformats.org/drawingml/2006/main" xmlns:r="http://schemas.openxmlformats.org/officeDocument/2006/relationships" xmlns:p14="http://schemas.microsoft.com/office/powerpoint/2010/main" xmlns:a14="http://schemas.microsoft.com/office/drawing/2010/main" xmlns:p15="http://schemas.microsoft.com/office/powerpoint/2012/main" xmlns:p159="http://schemas.microsoft.com/office/powerpoint/2015/09/main" xmlns:p="http://schemas.openxmlformats.org/presentationml/2006/main">
+<p:sld xmlns:a="http://schemas.openxmlformats.org/drawingml/2006/main" xmlns:r="http://schemas.openxmlformats.org/officeDocument/2006/relationships" xmlns:m="http://schemas.openxmlformats.org/officeDocument/2006/math" xmlns:w="http://schemas.openxmlformats.org/wordprocessingml/2006/main" xmlns:wp="http://schemas.openxmlformats.org/drawingml/2006/wordprocessingDrawing" xmlns:a14="http://schemas.microsoft.com/office/drawing/2010/main" xmlns:mc="http://schemas.openxmlformats.org/markup-compatibility/2006" xmlns:p14="http://schemas.microsoft.com/office/powerpoint/2010/main" xmlns:p15="http://schemas.microsoft.com/office/powerpoint/2012/main" xmlns:p159="http://schemas.microsoft.com/office/powerpoint/2015/09/main" xmlns:p="http://schemas.openxmlformats.org/presentationml/2006/main">
   <p:cSld name="">
     <p:spTree>
       <p:nvGrpSpPr>
-        <p:cNvPr id="1" name=""/>
+        <p:cNvPr id="1" name="" title=""/>
         <p:cNvGrpSpPr/>
         <p:nvPr/>
       </p:nvGrpSpPr>
@@ -3502,7 +3502,7 @@
       </p:grpSpPr>
       <p:graphicFrame>
         <p:nvGraphicFramePr>
-          <p:cNvPr id="2" name="ChartObject"/>
+          <p:cNvPr id="2" name="ChartObject" title=""/>
           <p:cNvGraphicFramePr/>
           <p:nvPr/>
         </p:nvGraphicFramePr>
@@ -3516,6 +3516,77 @@
           </a:graphicData>
         </a:graphic>
       </p:graphicFrame>
+      <p:sp>
+        <p:nvSpPr>
+          <p:cNvPr id="3" name="TextBox"/>
+          <p:cNvSpPr txBox="1">
+            <a:spLocks noGrp="1" noSelect="1" noRot="1" noMove="1"/>
+          </p:cNvSpPr>
+          <p:nvPr/>
+        </p:nvSpPr>
+        <p:spPr>
+          <a:xfrm>
+            <a:off x="1366520" y="2644140"/>
+            <a:ext cx="6411372" cy="1569660"/>
+          </a:xfrm>
+          <a:prstGeom prst="rect">
+            <a:avLst/>
+          </a:prstGeom>
+          <a:noFill/>
+        </p:spPr>
+        <p:txBody>
+          <a:bodyPr wrap="none" rtlCol="0" anchor="ctr" anchorCtr="1">
+            <a:spAutoFit/>
+          </a:bodyPr>
+          <a:lstStyle>
+            <a:lvl1pPr algn="l">
+              <a:lnSpc>
+                <a:spcPct val="150000"/>
+              </a:lnSpc>
+              <a:spcBef>
+                <a:spcPct val="0"/>
+              </a:spcBef>
+              <a:spcAft>
+                <a:spcPct val="0"/>
+              </a:spcAft>
+              <a:defRPr lang="en-US" sz="3200" b="1" noProof="1" dirty="0">
+                <a:solidFill>
+                  <a:prstClr val="red">
+                    <a:lumOff val="30000"/>
+                    <a:alpha val="40000"/>
+                  </a:prstClr>
+                </a:solidFill>
+                <a:effectLst>
+                  <a:outerShdw blurRad="50800" dist="38100" algn="tr" rotWithShape="0">
+                    <a:prstClr val="black">
+                      <a:alpha val="80000"/>
+                    </a:prstClr>
+                  </a:outerShdw>
+                </a:effectLst>
+                <a:latin typeface="Calibri" pitchFamily="34" charset="0"/>
+              </a:defRPr>
+            </a:lvl1pPr>
+          </a:lstStyle>
+          <a:p>
+            <a:pPr algn="ctr"/>
+            <a:r>
+              <a:t>Evaluation only.</a:t>
+            </a:r>
+          </a:p>
+          <a:p>
+            <a:pPr algn="ctr"/>
+            <a:r>
+              <a:t>Created with Aspose.Slides for .NET 4.0 Client Profile 21.12.</a:t>
+            </a:r>
+          </a:p>
+          <a:p>
+            <a:pPr algn="ctr"/>
+            <a:r>
+              <a:t>Copyright 2004-2021Aspose Pty Ltd.</a:t>
+            </a:r>
+          </a:p>
+        </p:txBody>
+      </p:sp>
     </p:spTree>
   </p:cSld>
   <p:clrMapOvr>
@@ -3529,10 +3600,10 @@
 <file path=ppt/tags/tag1.xml><?xml version="1.0" encoding="utf-8"?>
 <p:tagLst xmlns:p="http://schemas.openxmlformats.org/presentationml/2006/main">
   <p:tag name="AS_NET" val="4.0.30319.42000"/>
-  <p:tag name="AS_OS" val="Microsoft Windows NT 6.2.9200.0"/>
-  <p:tag name="AS_RELEASE_DATE" val="2019.06.14"/>
+  <p:tag name="AS_OS" val="Microsoft Windows NT 6.3.9600.0"/>
+  <p:tag name="AS_RELEASE_DATE" val="2021.12.14"/>
   <p:tag name="AS_TITLE" val="Aspose.Slides for .NET 4.0 Client Profile"/>
-  <p:tag name="AS_VERSION" val="19.6"/>
+  <p:tag name="AS_VERSION" val="21.12"/>
 </p:tagLst>
 </file>
 
